--- a/ch5/第五章 第一部分 谱聚类.pptx
+++ b/ch5/第五章 第一部分 谱聚类.pptx
@@ -357,7 +357,7 @@
           <a:p>
             <a:fld id="{530820CF-B880-4189-942D-D702A7CBA730}" type="datetimeFigureOut">
               <a:rPr lang="zh-CN" altLang="en-US" smtClean="0"/>
-              <a:t>2018/11/13</a:t>
+              <a:t>2018/12/27</a:t>
             </a:fld>
             <a:endParaRPr lang="zh-CN" altLang="en-US"/>
           </a:p>
@@ -522,7 +522,7 @@
           <a:p>
             <a:fld id="{530820CF-B880-4189-942D-D702A7CBA730}" type="datetimeFigureOut">
               <a:rPr lang="zh-CN" altLang="en-US" smtClean="0"/>
-              <a:t>2018/11/13</a:t>
+              <a:t>2018/12/27</a:t>
             </a:fld>
             <a:endParaRPr lang="zh-CN" altLang="en-US"/>
           </a:p>
@@ -697,7 +697,7 @@
           <a:p>
             <a:fld id="{530820CF-B880-4189-942D-D702A7CBA730}" type="datetimeFigureOut">
               <a:rPr lang="zh-CN" altLang="en-US" smtClean="0"/>
-              <a:t>2018/11/13</a:t>
+              <a:t>2018/12/27</a:t>
             </a:fld>
             <a:endParaRPr lang="zh-CN" altLang="en-US"/>
           </a:p>
@@ -862,7 +862,7 @@
           <a:p>
             <a:fld id="{530820CF-B880-4189-942D-D702A7CBA730}" type="datetimeFigureOut">
               <a:rPr lang="zh-CN" altLang="en-US" smtClean="0"/>
-              <a:t>2018/11/13</a:t>
+              <a:t>2018/12/27</a:t>
             </a:fld>
             <a:endParaRPr lang="zh-CN" altLang="en-US"/>
           </a:p>
@@ -1103,7 +1103,7 @@
           <a:p>
             <a:fld id="{530820CF-B880-4189-942D-D702A7CBA730}" type="datetimeFigureOut">
               <a:rPr lang="zh-CN" altLang="en-US" smtClean="0"/>
-              <a:t>2018/11/13</a:t>
+              <a:t>2018/12/27</a:t>
             </a:fld>
             <a:endParaRPr lang="zh-CN" altLang="en-US"/>
           </a:p>
@@ -1386,7 +1386,7 @@
           <a:p>
             <a:fld id="{530820CF-B880-4189-942D-D702A7CBA730}" type="datetimeFigureOut">
               <a:rPr lang="zh-CN" altLang="en-US" smtClean="0"/>
-              <a:t>2018/11/13</a:t>
+              <a:t>2018/12/27</a:t>
             </a:fld>
             <a:endParaRPr lang="zh-CN" altLang="en-US"/>
           </a:p>
@@ -1803,7 +1803,7 @@
           <a:p>
             <a:fld id="{530820CF-B880-4189-942D-D702A7CBA730}" type="datetimeFigureOut">
               <a:rPr lang="zh-CN" altLang="en-US" smtClean="0"/>
-              <a:t>2018/11/13</a:t>
+              <a:t>2018/12/27</a:t>
             </a:fld>
             <a:endParaRPr lang="zh-CN" altLang="en-US"/>
           </a:p>
@@ -1916,7 +1916,7 @@
           <a:p>
             <a:fld id="{530820CF-B880-4189-942D-D702A7CBA730}" type="datetimeFigureOut">
               <a:rPr lang="zh-CN" altLang="en-US" smtClean="0"/>
-              <a:t>2018/11/13</a:t>
+              <a:t>2018/12/27</a:t>
             </a:fld>
             <a:endParaRPr lang="zh-CN" altLang="en-US"/>
           </a:p>
@@ -2006,7 +2006,7 @@
           <a:p>
             <a:fld id="{530820CF-B880-4189-942D-D702A7CBA730}" type="datetimeFigureOut">
               <a:rPr lang="zh-CN" altLang="en-US" smtClean="0"/>
-              <a:t>2018/11/13</a:t>
+              <a:t>2018/12/27</a:t>
             </a:fld>
             <a:endParaRPr lang="zh-CN" altLang="en-US"/>
           </a:p>
@@ -2278,7 +2278,7 @@
           <a:p>
             <a:fld id="{530820CF-B880-4189-942D-D702A7CBA730}" type="datetimeFigureOut">
               <a:rPr lang="zh-CN" altLang="en-US" smtClean="0"/>
-              <a:t>2018/11/13</a:t>
+              <a:t>2018/12/27</a:t>
             </a:fld>
             <a:endParaRPr lang="zh-CN" altLang="en-US"/>
           </a:p>
@@ -2526,7 +2526,7 @@
           <a:p>
             <a:fld id="{530820CF-B880-4189-942D-D702A7CBA730}" type="datetimeFigureOut">
               <a:rPr lang="zh-CN" altLang="en-US" smtClean="0"/>
-              <a:t>2018/11/13</a:t>
+              <a:t>2018/12/27</a:t>
             </a:fld>
             <a:endParaRPr lang="zh-CN" altLang="en-US"/>
           </a:p>
@@ -2734,7 +2734,7 @@
           <a:p>
             <a:fld id="{530820CF-B880-4189-942D-D702A7CBA730}" type="datetimeFigureOut">
               <a:rPr lang="zh-CN" altLang="en-US" smtClean="0"/>
-              <a:t>2018/11/13</a:t>
+              <a:t>2018/12/27</a:t>
             </a:fld>
             <a:endParaRPr lang="zh-CN" altLang="en-US"/>
           </a:p>
@@ -3239,7 +3239,7 @@
           <a:graphicData uri="http://schemas.openxmlformats.org/presentationml/2006/ole">
             <mc:AlternateContent xmlns:mc="http://schemas.openxmlformats.org/markup-compatibility/2006">
               <mc:Choice xmlns:v="urn:schemas-microsoft-com:vml" Requires="v">
-                <p:oleObj spid="_x0000_s8320" name="Equation" r:id="rId3" imgW="2895480" imgH="457200" progId="Equation.DSMT4">
+                <p:oleObj spid="_x0000_s8322" name="Equation" r:id="rId3" imgW="2895480" imgH="457200" progId="Equation.DSMT4">
                   <p:embed/>
                 </p:oleObj>
               </mc:Choice>
@@ -3296,7 +3296,7 @@
           <a:graphicData uri="http://schemas.openxmlformats.org/presentationml/2006/ole">
             <mc:AlternateContent xmlns:mc="http://schemas.openxmlformats.org/markup-compatibility/2006">
               <mc:Choice xmlns:v="urn:schemas-microsoft-com:vml" Requires="v">
-                <p:oleObj spid="_x0000_s8321" name="Equation" r:id="rId5" imgW="3504960" imgH="482400" progId="Equation.DSMT4">
+                <p:oleObj spid="_x0000_s8323" name="Equation" r:id="rId5" imgW="3504960" imgH="482400" progId="Equation.DSMT4">
                   <p:embed/>
                 </p:oleObj>
               </mc:Choice>
@@ -3448,7 +3448,7 @@
           <a:graphicData uri="http://schemas.openxmlformats.org/presentationml/2006/ole">
             <mc:AlternateContent xmlns:mc="http://schemas.openxmlformats.org/markup-compatibility/2006">
               <mc:Choice xmlns:v="urn:schemas-microsoft-com:vml" Requires="v">
-                <p:oleObj spid="_x0000_s9343" name="Equation" r:id="rId3" imgW="3047760" imgH="609480" progId="Equation.DSMT4">
+                <p:oleObj spid="_x0000_s9345" name="Equation" r:id="rId3" imgW="3047760" imgH="609480" progId="Equation.DSMT4">
                   <p:embed/>
                 </p:oleObj>
               </mc:Choice>
@@ -3505,7 +3505,7 @@
           <a:graphicData uri="http://schemas.openxmlformats.org/presentationml/2006/ole">
             <mc:AlternateContent xmlns:mc="http://schemas.openxmlformats.org/markup-compatibility/2006">
               <mc:Choice xmlns:v="urn:schemas-microsoft-com:vml" Requires="v">
-                <p:oleObj spid="_x0000_s9344" name="Equation" r:id="rId5" imgW="2222280" imgH="203040" progId="Equation.DSMT4">
+                <p:oleObj spid="_x0000_s9346" name="Equation" r:id="rId5" imgW="2222280" imgH="203040" progId="Equation.DSMT4">
                   <p:embed/>
                 </p:oleObj>
               </mc:Choice>
@@ -3895,7 +3895,7 @@
           <a:graphicData uri="http://schemas.openxmlformats.org/presentationml/2006/ole">
             <mc:AlternateContent xmlns:mc="http://schemas.openxmlformats.org/markup-compatibility/2006">
               <mc:Choice xmlns:v="urn:schemas-microsoft-com:vml" Requires="v">
-                <p:oleObj spid="_x0000_s10369" name="Equation" r:id="rId4" imgW="3848040" imgH="482400" progId="Equation.DSMT4">
+                <p:oleObj spid="_x0000_s10371" name="Equation" r:id="rId4" imgW="3848040" imgH="482400" progId="Equation.DSMT4">
                   <p:embed/>
                 </p:oleObj>
               </mc:Choice>
@@ -3952,7 +3952,7 @@
           <a:graphicData uri="http://schemas.openxmlformats.org/presentationml/2006/ole">
             <mc:AlternateContent xmlns:mc="http://schemas.openxmlformats.org/markup-compatibility/2006">
               <mc:Choice xmlns:v="urn:schemas-microsoft-com:vml" Requires="v">
-                <p:oleObj spid="_x0000_s10370" name="Equation" r:id="rId5" imgW="3213000" imgH="507960" progId="Equation.DSMT4">
+                <p:oleObj spid="_x0000_s10372" name="Equation" r:id="rId5" imgW="3213000" imgH="507960" progId="Equation.DSMT4">
                   <p:embed/>
                 </p:oleObj>
               </mc:Choice>
@@ -4076,7 +4076,7 @@
           <a:graphicData uri="http://schemas.openxmlformats.org/presentationml/2006/ole">
             <mc:AlternateContent xmlns:mc="http://schemas.openxmlformats.org/markup-compatibility/2006">
               <mc:Choice xmlns:v="urn:schemas-microsoft-com:vml" Requires="v">
-                <p:oleObj spid="_x0000_s11329" name="Equation" r:id="rId3" imgW="3670200" imgH="1854000" progId="Equation.DSMT4">
+                <p:oleObj spid="_x0000_s11330" name="Equation" r:id="rId3" imgW="3670200" imgH="1854000" progId="Equation.DSMT4">
                   <p:embed/>
                 </p:oleObj>
               </mc:Choice>
@@ -4206,7 +4206,7 @@
           <a:graphicData uri="http://schemas.openxmlformats.org/presentationml/2006/ole">
             <mc:AlternateContent xmlns:mc="http://schemas.openxmlformats.org/markup-compatibility/2006">
               <mc:Choice xmlns:v="urn:schemas-microsoft-com:vml" Requires="v">
-                <p:oleObj spid="_x0000_s12404" name="Equation" r:id="rId3" imgW="4000320" imgH="2222280" progId="Equation.DSMT4">
+                <p:oleObj spid="_x0000_s12406" name="Equation" r:id="rId3" imgW="4000320" imgH="2222280" progId="Equation.DSMT4">
                   <p:embed/>
                 </p:oleObj>
               </mc:Choice>
@@ -4263,7 +4263,7 @@
           <a:graphicData uri="http://schemas.openxmlformats.org/presentationml/2006/ole">
             <mc:AlternateContent xmlns:mc="http://schemas.openxmlformats.org/markup-compatibility/2006">
               <mc:Choice xmlns:v="urn:schemas-microsoft-com:vml" Requires="v">
-                <p:oleObj spid="_x0000_s12405" name="Equation" r:id="rId5" imgW="3797280" imgH="253800" progId="Equation.DSMT4">
+                <p:oleObj spid="_x0000_s12407" name="Equation" r:id="rId5" imgW="3797280" imgH="253800" progId="Equation.DSMT4">
                   <p:embed/>
                 </p:oleObj>
               </mc:Choice>
@@ -5085,7 +5085,7 @@
           <a:graphicData uri="http://schemas.openxmlformats.org/presentationml/2006/ole">
             <mc:AlternateContent xmlns:mc="http://schemas.openxmlformats.org/markup-compatibility/2006">
               <mc:Choice xmlns:v="urn:schemas-microsoft-com:vml" Requires="v">
-                <p:oleObj spid="_x0000_s13376" name="Equation" r:id="rId3" imgW="4711680" imgH="1854000" progId="Equation.DSMT4">
+                <p:oleObj spid="_x0000_s13377" name="Equation" r:id="rId3" imgW="4711680" imgH="1854000" progId="Equation.DSMT4">
                   <p:embed/>
                 </p:oleObj>
               </mc:Choice>
@@ -5217,7 +5217,7 @@
           <a:graphicData uri="http://schemas.openxmlformats.org/presentationml/2006/ole">
             <mc:AlternateContent xmlns:mc="http://schemas.openxmlformats.org/markup-compatibility/2006">
               <mc:Choice xmlns:v="urn:schemas-microsoft-com:vml" Requires="v">
-                <p:oleObj spid="_x0000_s14399" name="Equation" r:id="rId3" imgW="4622760" imgH="2222280" progId="Equation.DSMT4">
+                <p:oleObj spid="_x0000_s14400" name="Equation" r:id="rId3" imgW="4622760" imgH="2222280" progId="Equation.DSMT4">
                   <p:embed/>
                 </p:oleObj>
               </mc:Choice>
@@ -5579,7 +5579,7 @@
           <a:graphicData uri="http://schemas.openxmlformats.org/presentationml/2006/ole">
             <mc:AlternateContent xmlns:mc="http://schemas.openxmlformats.org/markup-compatibility/2006">
               <mc:Choice xmlns:v="urn:schemas-microsoft-com:vml" Requires="v">
-                <p:oleObj spid="_x0000_s15421" name="Equation" r:id="rId3" imgW="647640" imgH="279360" progId="Equation.DSMT4">
+                <p:oleObj spid="_x0000_s15422" name="Equation" r:id="rId3" imgW="647640" imgH="279360" progId="Equation.DSMT4">
                   <p:embed/>
                 </p:oleObj>
               </mc:Choice>
@@ -5729,7 +5729,7 @@
           <a:graphicData uri="http://schemas.openxmlformats.org/presentationml/2006/ole">
             <mc:AlternateContent xmlns:mc="http://schemas.openxmlformats.org/markup-compatibility/2006">
               <mc:Choice xmlns:v="urn:schemas-microsoft-com:vml" Requires="v">
-                <p:oleObj spid="_x0000_s16514" name="Equation" r:id="rId3" imgW="3098520" imgH="1066680" progId="Equation.DSMT4">
+                <p:oleObj spid="_x0000_s16516" name="Equation" r:id="rId3" imgW="3098520" imgH="1066680" progId="Equation.DSMT4">
                   <p:embed/>
                 </p:oleObj>
               </mc:Choice>
@@ -5786,7 +5786,7 @@
           <a:graphicData uri="http://schemas.openxmlformats.org/presentationml/2006/ole">
             <mc:AlternateContent xmlns:mc="http://schemas.openxmlformats.org/markup-compatibility/2006">
               <mc:Choice xmlns:v="urn:schemas-microsoft-com:vml" Requires="v">
-                <p:oleObj spid="_x0000_s16515" name="Equation" r:id="rId5" imgW="3517560" imgH="685800" progId="Equation.DSMT4">
+                <p:oleObj spid="_x0000_s16517" name="Equation" r:id="rId5" imgW="3517560" imgH="685800" progId="Equation.DSMT4">
                   <p:embed/>
                 </p:oleObj>
               </mc:Choice>
@@ -6422,7 +6422,7 @@
           <a:graphicData uri="http://schemas.openxmlformats.org/presentationml/2006/ole">
             <mc:AlternateContent xmlns:mc="http://schemas.openxmlformats.org/markup-compatibility/2006">
               <mc:Choice xmlns:v="urn:schemas-microsoft-com:vml" Requires="v">
-                <p:oleObj spid="_x0000_s17550" name="Equation" r:id="rId3" imgW="3949560" imgH="990360" progId="Equation.DSMT4">
+                <p:oleObj spid="_x0000_s17552" name="Equation" r:id="rId3" imgW="3949560" imgH="990360" progId="Equation.DSMT4">
                   <p:embed/>
                 </p:oleObj>
               </mc:Choice>
@@ -6479,7 +6479,7 @@
           <a:graphicData uri="http://schemas.openxmlformats.org/presentationml/2006/ole">
             <mc:AlternateContent xmlns:mc="http://schemas.openxmlformats.org/markup-compatibility/2006">
               <mc:Choice xmlns:v="urn:schemas-microsoft-com:vml" Requires="v">
-                <p:oleObj spid="_x0000_s17551" name="Equation" r:id="rId5" imgW="1028520" imgH="507960" progId="Equation.DSMT4">
+                <p:oleObj spid="_x0000_s17553" name="Equation" r:id="rId5" imgW="1028520" imgH="507960" progId="Equation.DSMT4">
                   <p:embed/>
                 </p:oleObj>
               </mc:Choice>
@@ -6853,7 +6853,7 @@
           <a:graphicData uri="http://schemas.openxmlformats.org/presentationml/2006/ole">
             <mc:AlternateContent xmlns:mc="http://schemas.openxmlformats.org/markup-compatibility/2006">
               <mc:Choice xmlns:v="urn:schemas-microsoft-com:vml" Requires="v">
-                <p:oleObj spid="_x0000_s22645" name="Equation" r:id="rId3" imgW="2425680" imgH="914400" progId="Equation.DSMT4">
+                <p:oleObj spid="_x0000_s22647" name="Equation" r:id="rId3" imgW="2425680" imgH="914400" progId="Equation.DSMT4">
                   <p:embed/>
                 </p:oleObj>
               </mc:Choice>
@@ -6910,7 +6910,7 @@
           <a:graphicData uri="http://schemas.openxmlformats.org/presentationml/2006/ole">
             <mc:AlternateContent xmlns:mc="http://schemas.openxmlformats.org/markup-compatibility/2006">
               <mc:Choice xmlns:v="urn:schemas-microsoft-com:vml" Requires="v">
-                <p:oleObj spid="_x0000_s22646" name="Equation" r:id="rId5" imgW="4419360" imgH="1218960" progId="Equation.DSMT4">
+                <p:oleObj spid="_x0000_s22648" name="Equation" r:id="rId5" imgW="4419360" imgH="1218960" progId="Equation.DSMT4">
                   <p:embed/>
                 </p:oleObj>
               </mc:Choice>
@@ -7230,7 +7230,7 @@
           <a:graphicData uri="http://schemas.openxmlformats.org/presentationml/2006/ole">
             <mc:AlternateContent xmlns:mc="http://schemas.openxmlformats.org/markup-compatibility/2006">
               <mc:Choice xmlns:v="urn:schemas-microsoft-com:vml" Requires="v">
-                <p:oleObj spid="_x0000_s23608" name="Equation" r:id="rId3" imgW="4063680" imgH="698400" progId="Equation.DSMT4">
+                <p:oleObj spid="_x0000_s23609" name="Equation" r:id="rId3" imgW="4063680" imgH="698400" progId="Equation.DSMT4">
                   <p:embed/>
                 </p:oleObj>
               </mc:Choice>
@@ -7494,7 +7494,7 @@
           <a:graphicData uri="http://schemas.openxmlformats.org/presentationml/2006/ole">
             <mc:AlternateContent xmlns:mc="http://schemas.openxmlformats.org/markup-compatibility/2006">
               <mc:Choice xmlns:v="urn:schemas-microsoft-com:vml" Requires="v">
-                <p:oleObj spid="_x0000_s24751" name="Equation" r:id="rId3" imgW="3136680" imgH="736560" progId="Equation.DSMT4">
+                <p:oleObj spid="_x0000_s24754" name="Equation" r:id="rId3" imgW="3136680" imgH="736560" progId="Equation.DSMT4">
                   <p:embed/>
                 </p:oleObj>
               </mc:Choice>
@@ -7551,7 +7551,7 @@
           <a:graphicData uri="http://schemas.openxmlformats.org/presentationml/2006/ole">
             <mc:AlternateContent xmlns:mc="http://schemas.openxmlformats.org/markup-compatibility/2006">
               <mc:Choice xmlns:v="urn:schemas-microsoft-com:vml" Requires="v">
-                <p:oleObj spid="_x0000_s24752" name="Equation" r:id="rId5" imgW="3555720" imgH="583920" progId="Equation.DSMT4">
+                <p:oleObj spid="_x0000_s24755" name="Equation" r:id="rId5" imgW="3555720" imgH="583920" progId="Equation.DSMT4">
                   <p:embed/>
                 </p:oleObj>
               </mc:Choice>
@@ -7608,7 +7608,7 @@
           <a:graphicData uri="http://schemas.openxmlformats.org/presentationml/2006/ole">
             <mc:AlternateContent xmlns:mc="http://schemas.openxmlformats.org/markup-compatibility/2006">
               <mc:Choice xmlns:v="urn:schemas-microsoft-com:vml" Requires="v">
-                <p:oleObj spid="_x0000_s24753" name="Equation" r:id="rId7" imgW="2489040" imgH="939600" progId="Equation.DSMT4">
+                <p:oleObj spid="_x0000_s24756" name="Equation" r:id="rId7" imgW="2489040" imgH="939600" progId="Equation.DSMT4">
                   <p:embed/>
                 </p:oleObj>
               </mc:Choice>
@@ -7757,7 +7757,7 @@
           <a:graphicData uri="http://schemas.openxmlformats.org/presentationml/2006/ole">
             <mc:AlternateContent xmlns:mc="http://schemas.openxmlformats.org/markup-compatibility/2006">
               <mc:Choice xmlns:v="urn:schemas-microsoft-com:vml" Requires="v">
-                <p:oleObj spid="_x0000_s1171" name="Equation" r:id="rId4" imgW="1307880" imgH="1168200" progId="Equation.DSMT4">
+                <p:oleObj spid="_x0000_s1173" name="Equation" r:id="rId4" imgW="1307880" imgH="1168200" progId="Equation.DSMT4">
                   <p:embed/>
                 </p:oleObj>
               </mc:Choice>
@@ -7814,7 +7814,7 @@
           <a:graphicData uri="http://schemas.openxmlformats.org/presentationml/2006/ole">
             <mc:AlternateContent xmlns:mc="http://schemas.openxmlformats.org/markup-compatibility/2006">
               <mc:Choice xmlns:v="urn:schemas-microsoft-com:vml" Requires="v">
-                <p:oleObj spid="_x0000_s1172" name="Equation" r:id="rId6" imgW="1307880" imgH="1168200" progId="Equation.DSMT4">
+                <p:oleObj spid="_x0000_s1174" name="Equation" r:id="rId6" imgW="1307880" imgH="1168200" progId="Equation.DSMT4">
                   <p:embed/>
                 </p:oleObj>
               </mc:Choice>
@@ -7965,7 +7965,7 @@
           <a:graphicData uri="http://schemas.openxmlformats.org/presentationml/2006/ole">
             <mc:AlternateContent xmlns:mc="http://schemas.openxmlformats.org/markup-compatibility/2006">
               <mc:Choice xmlns:v="urn:schemas-microsoft-com:vml" Requires="v">
-                <p:oleObj spid="_x0000_s25657" name="Equation" r:id="rId3" imgW="3174840" imgH="1904760" progId="Equation.DSMT4">
+                <p:oleObj spid="_x0000_s25658" name="Equation" r:id="rId3" imgW="3174840" imgH="1904760" progId="Equation.DSMT4">
                   <p:embed/>
                 </p:oleObj>
               </mc:Choice>
@@ -8093,7 +8093,7 @@
           <a:graphicData uri="http://schemas.openxmlformats.org/presentationml/2006/ole">
             <mc:AlternateContent xmlns:mc="http://schemas.openxmlformats.org/markup-compatibility/2006">
               <mc:Choice xmlns:v="urn:schemas-microsoft-com:vml" Requires="v">
-                <p:oleObj spid="_x0000_s28769" name="Equation" r:id="rId3" imgW="3860640" imgH="914400" progId="Equation.DSMT4">
+                <p:oleObj spid="_x0000_s28771" name="Equation" r:id="rId3" imgW="3860640" imgH="914400" progId="Equation.DSMT4">
                   <p:embed/>
                 </p:oleObj>
               </mc:Choice>
@@ -8157,7 +8157,7 @@
           <a:graphicData uri="http://schemas.openxmlformats.org/presentationml/2006/ole">
             <mc:AlternateContent xmlns:mc="http://schemas.openxmlformats.org/markup-compatibility/2006">
               <mc:Choice xmlns:v="urn:schemas-microsoft-com:vml" Requires="v">
-                <p:oleObj spid="_x0000_s28770" name="Equation" r:id="rId4" imgW="3746160" imgH="1206360" progId="Equation.DSMT4">
+                <p:oleObj spid="_x0000_s28772" name="Equation" r:id="rId4" imgW="3746160" imgH="1206360" progId="Equation.DSMT4">
                   <p:embed/>
                 </p:oleObj>
               </mc:Choice>
@@ -8509,7 +8509,7 @@
           <a:graphicData uri="http://schemas.openxmlformats.org/presentationml/2006/ole">
             <mc:AlternateContent xmlns:mc="http://schemas.openxmlformats.org/markup-compatibility/2006">
               <mc:Choice xmlns:v="urn:schemas-microsoft-com:vml" Requires="v">
-                <p:oleObj spid="_x0000_s19574" name="Equation" r:id="rId3" imgW="3886200" imgH="1828800" progId="Equation.DSMT4">
+                <p:oleObj spid="_x0000_s19576" name="Equation" r:id="rId3" imgW="3886200" imgH="1828800" progId="Equation.DSMT4">
                   <p:embed/>
                 </p:oleObj>
               </mc:Choice>
@@ -8566,7 +8566,7 @@
           <a:graphicData uri="http://schemas.openxmlformats.org/presentationml/2006/ole">
             <mc:AlternateContent xmlns:mc="http://schemas.openxmlformats.org/markup-compatibility/2006">
               <mc:Choice xmlns:v="urn:schemas-microsoft-com:vml" Requires="v">
-                <p:oleObj spid="_x0000_s19575" name="Equation" r:id="rId5" imgW="812520" imgH="279360" progId="Equation.DSMT4">
+                <p:oleObj spid="_x0000_s19577" name="Equation" r:id="rId5" imgW="812520" imgH="279360" progId="Equation.DSMT4">
                   <p:embed/>
                 </p:oleObj>
               </mc:Choice>
@@ -8690,7 +8690,7 @@
           <a:graphicData uri="http://schemas.openxmlformats.org/presentationml/2006/ole">
             <mc:AlternateContent xmlns:mc="http://schemas.openxmlformats.org/markup-compatibility/2006">
               <mc:Choice xmlns:v="urn:schemas-microsoft-com:vml" Requires="v">
-                <p:oleObj spid="_x0000_s20541" name="Equation" r:id="rId3" imgW="3543120" imgH="2463480" progId="Equation.DSMT4">
+                <p:oleObj spid="_x0000_s20542" name="Equation" r:id="rId3" imgW="3543120" imgH="2463480" progId="Equation.DSMT4">
                   <p:embed/>
                 </p:oleObj>
               </mc:Choice>
@@ -9166,7 +9166,7 @@
           <a:graphicData uri="http://schemas.openxmlformats.org/presentationml/2006/ole">
             <mc:AlternateContent xmlns:mc="http://schemas.openxmlformats.org/markup-compatibility/2006">
               <mc:Choice xmlns:v="urn:schemas-microsoft-com:vml" Requires="v">
-                <p:oleObj spid="_x0000_s30808" name="Equation" r:id="rId3" imgW="2412720" imgH="507960" progId="Equation.DSMT4">
+                <p:oleObj spid="_x0000_s30810" name="Equation" r:id="rId3" imgW="2412720" imgH="507960" progId="Equation.DSMT4">
                   <p:embed/>
                 </p:oleObj>
               </mc:Choice>
@@ -9223,7 +9223,7 @@
           <a:graphicData uri="http://schemas.openxmlformats.org/presentationml/2006/ole">
             <mc:AlternateContent xmlns:mc="http://schemas.openxmlformats.org/markup-compatibility/2006">
               <mc:Choice xmlns:v="urn:schemas-microsoft-com:vml" Requires="v">
-                <p:oleObj spid="_x0000_s30809" name="Equation" r:id="rId5" imgW="3720960" imgH="711000" progId="Equation.DSMT4">
+                <p:oleObj spid="_x0000_s30811" name="Equation" r:id="rId5" imgW="3720960" imgH="711000" progId="Equation.DSMT4">
                   <p:embed/>
                 </p:oleObj>
               </mc:Choice>
@@ -9375,7 +9375,7 @@
           <a:graphicData uri="http://schemas.openxmlformats.org/presentationml/2006/ole">
             <mc:AlternateContent xmlns:mc="http://schemas.openxmlformats.org/markup-compatibility/2006">
               <mc:Choice xmlns:v="urn:schemas-microsoft-com:vml" Requires="v">
-                <p:oleObj spid="_x0000_s32852" name="Equation" r:id="rId4" imgW="1307880" imgH="1168200" progId="Equation.DSMT4">
+                <p:oleObj spid="_x0000_s32854" name="Equation" r:id="rId4" imgW="1307880" imgH="1168200" progId="Equation.DSMT4">
                   <p:embed/>
                 </p:oleObj>
               </mc:Choice>
@@ -9440,7 +9440,7 @@
           <a:graphicData uri="http://schemas.openxmlformats.org/presentationml/2006/ole">
             <mc:AlternateContent xmlns:mc="http://schemas.openxmlformats.org/markup-compatibility/2006">
               <mc:Choice xmlns:v="urn:schemas-microsoft-com:vml" Requires="v">
-                <p:oleObj spid="_x0000_s32853" name="Equation" r:id="rId6" imgW="3797280" imgH="1752480" progId="Equation.DSMT4">
+                <p:oleObj spid="_x0000_s32855" name="Equation" r:id="rId6" imgW="3797280" imgH="1752480" progId="Equation.DSMT4">
                   <p:embed/>
                 </p:oleObj>
               </mc:Choice>
@@ -9563,7 +9563,7 @@
           <a:graphicData uri="http://schemas.openxmlformats.org/presentationml/2006/ole">
             <mc:AlternateContent xmlns:mc="http://schemas.openxmlformats.org/markup-compatibility/2006">
               <mc:Choice xmlns:v="urn:schemas-microsoft-com:vml" Requires="v">
-                <p:oleObj spid="_x0000_s31832" name="Equation" r:id="rId3" imgW="2717640" imgH="1701720" progId="Equation.DSMT4">
+                <p:oleObj spid="_x0000_s31834" name="Equation" r:id="rId3" imgW="2717640" imgH="1701720" progId="Equation.DSMT4">
                   <p:embed/>
                 </p:oleObj>
               </mc:Choice>
@@ -9627,7 +9627,7 @@
           <a:graphicData uri="http://schemas.openxmlformats.org/presentationml/2006/ole">
             <mc:AlternateContent xmlns:mc="http://schemas.openxmlformats.org/markup-compatibility/2006">
               <mc:Choice xmlns:v="urn:schemas-microsoft-com:vml" Requires="v">
-                <p:oleObj spid="_x0000_s31833" name="Equation" r:id="rId5" imgW="3632040" imgH="215640" progId="Equation.DSMT4">
+                <p:oleObj spid="_x0000_s31835" name="Equation" r:id="rId5" imgW="3632040" imgH="215640" progId="Equation.DSMT4">
                   <p:embed/>
                 </p:oleObj>
               </mc:Choice>
@@ -9801,7 +9801,7 @@
           <a:graphicData uri="http://schemas.openxmlformats.org/presentationml/2006/ole">
             <mc:AlternateContent xmlns:mc="http://schemas.openxmlformats.org/markup-compatibility/2006">
               <mc:Choice xmlns:v="urn:schemas-microsoft-com:vml" Requires="v">
-                <p:oleObj spid="_x0000_s2116" name="Equation" r:id="rId3" imgW="2273040" imgH="253800" progId="Equation.DSMT4">
+                <p:oleObj spid="_x0000_s2117" name="Equation" r:id="rId3" imgW="2273040" imgH="253800" progId="Equation.DSMT4">
                   <p:embed/>
                 </p:oleObj>
               </mc:Choice>
@@ -10138,7 +10138,7 @@
           <a:graphicData uri="http://schemas.openxmlformats.org/presentationml/2006/ole">
             <mc:AlternateContent xmlns:mc="http://schemas.openxmlformats.org/markup-compatibility/2006">
               <mc:Choice xmlns:v="urn:schemas-microsoft-com:vml" Requires="v">
-                <p:oleObj spid="_x0000_s33830" name="Equation" r:id="rId3" imgW="3288960" imgH="1574640" progId="Equation.DSMT4">
+                <p:oleObj spid="_x0000_s33831" name="Equation" r:id="rId3" imgW="3288960" imgH="1574640" progId="Equation.DSMT4">
                   <p:embed/>
                 </p:oleObj>
               </mc:Choice>
@@ -10380,7 +10380,7 @@
           <a:graphicData uri="http://schemas.openxmlformats.org/presentationml/2006/ole">
             <mc:AlternateContent xmlns:mc="http://schemas.openxmlformats.org/markup-compatibility/2006">
               <mc:Choice xmlns:v="urn:schemas-microsoft-com:vml" Requires="v">
-                <p:oleObj spid="_x0000_s34855" name="Equation" r:id="rId3" imgW="4431960" imgH="1930320" progId="Equation.DSMT4">
+                <p:oleObj spid="_x0000_s34856" name="Equation" r:id="rId3" imgW="4431960" imgH="1930320" progId="Equation.DSMT4">
                   <p:embed/>
                 </p:oleObj>
               </mc:Choice>
@@ -10627,7 +10627,7 @@
           <a:graphicData uri="http://schemas.openxmlformats.org/presentationml/2006/ole">
             <mc:AlternateContent xmlns:mc="http://schemas.openxmlformats.org/markup-compatibility/2006">
               <mc:Choice xmlns:v="urn:schemas-microsoft-com:vml" Requires="v">
-                <p:oleObj spid="_x0000_s36947" name="Equation" r:id="rId3" imgW="914400" imgH="198720" progId="Equation.DSMT4">
+                <p:oleObj spid="_x0000_s36950" name="Equation" r:id="rId3" imgW="914400" imgH="198720" progId="Equation.DSMT4">
                   <p:embed/>
                 </p:oleObj>
               </mc:Choice>
@@ -10684,7 +10684,7 @@
           <a:graphicData uri="http://schemas.openxmlformats.org/presentationml/2006/ole">
             <mc:AlternateContent xmlns:mc="http://schemas.openxmlformats.org/markup-compatibility/2006">
               <mc:Choice xmlns:v="urn:schemas-microsoft-com:vml" Requires="v">
-                <p:oleObj spid="_x0000_s36948" name="Equation" r:id="rId5" imgW="914400" imgH="198720" progId="Equation.DSMT4">
+                <p:oleObj spid="_x0000_s36951" name="Equation" r:id="rId5" imgW="914400" imgH="198720" progId="Equation.DSMT4">
                   <p:embed/>
                 </p:oleObj>
               </mc:Choice>
@@ -10831,7 +10831,7 @@
           <a:graphicData uri="http://schemas.openxmlformats.org/presentationml/2006/ole">
             <mc:AlternateContent xmlns:mc="http://schemas.openxmlformats.org/markup-compatibility/2006">
               <mc:Choice xmlns:v="urn:schemas-microsoft-com:vml" Requires="v">
-                <p:oleObj spid="_x0000_s36949" name="Equation" r:id="rId8" imgW="952200" imgH="190440" progId="Equation.DSMT4">
+                <p:oleObj spid="_x0000_s36952" name="Equation" r:id="rId8" imgW="952200" imgH="190440" progId="Equation.DSMT4">
                   <p:embed/>
                 </p:oleObj>
               </mc:Choice>
@@ -11159,7 +11159,7 @@
           <a:graphicData uri="http://schemas.openxmlformats.org/presentationml/2006/ole">
             <mc:AlternateContent xmlns:mc="http://schemas.openxmlformats.org/markup-compatibility/2006">
               <mc:Choice xmlns:v="urn:schemas-microsoft-com:vml" Requires="v">
-                <p:oleObj spid="_x0000_s37925" name="Equation" r:id="rId3" imgW="1422360" imgH="660240" progId="Equation.DSMT4">
+                <p:oleObj spid="_x0000_s37926" name="Equation" r:id="rId3" imgW="1422360" imgH="660240" progId="Equation.DSMT4">
                   <p:embed/>
                 </p:oleObj>
               </mc:Choice>
@@ -12911,7 +12911,7 @@
           <a:graphicData uri="http://schemas.openxmlformats.org/presentationml/2006/ole">
             <mc:AlternateContent xmlns:mc="http://schemas.openxmlformats.org/markup-compatibility/2006">
               <mc:Choice xmlns:v="urn:schemas-microsoft-com:vml" Requires="v">
-                <p:oleObj spid="_x0000_s38950" name="Equation" r:id="rId3" imgW="3987720" imgH="2501640" progId="Equation.DSMT4">
+                <p:oleObj spid="_x0000_s38951" name="Equation" r:id="rId3" imgW="3987720" imgH="2501640" progId="Equation.DSMT4">
                   <p:embed/>
                 </p:oleObj>
               </mc:Choice>
@@ -13191,25 +13191,25 @@
           <p:nvPr>
             <p:extLst>
               <p:ext uri="{D42A27DB-BD31-4B8C-83A1-F6EECF244321}">
-                <p14:modId xmlns:p14="http://schemas.microsoft.com/office/powerpoint/2010/main" val="1213936874"/>
+                <p14:modId xmlns:p14="http://schemas.microsoft.com/office/powerpoint/2010/main" val="1711458456"/>
               </p:ext>
             </p:extLst>
           </p:nvPr>
         </p:nvGraphicFramePr>
         <p:xfrm>
-          <a:off x="646113" y="1773238"/>
-          <a:ext cx="7956550" cy="935037"/>
+          <a:off x="334963" y="1773238"/>
+          <a:ext cx="8580437" cy="935037"/>
         </p:xfrm>
         <a:graphic>
           <a:graphicData uri="http://schemas.openxmlformats.org/presentationml/2006/ole">
             <mc:AlternateContent xmlns:mc="http://schemas.openxmlformats.org/markup-compatibility/2006">
               <mc:Choice xmlns:v="urn:schemas-microsoft-com:vml" Requires="v">
-                <p:oleObj spid="_x0000_s39970" name="Equation" r:id="rId3" imgW="3886200" imgH="457200" progId="Equation.DSMT4">
+                <p:oleObj spid="_x0000_s39971" name="Equation" r:id="rId3" imgW="4190760" imgH="457200" progId="Equation.DSMT4">
                   <p:embed/>
                 </p:oleObj>
               </mc:Choice>
               <mc:Fallback>
-                <p:oleObj name="Equation" r:id="rId3" imgW="3886200" imgH="457200" progId="Equation.DSMT4">
+                <p:oleObj name="Equation" r:id="rId3" imgW="4190760" imgH="457200" progId="Equation.DSMT4">
                   <p:embed/>
                   <p:pic>
                     <p:nvPicPr>
@@ -13225,8 +13225,8 @@
                     </p:blipFill>
                     <p:spPr>
                       <a:xfrm>
-                        <a:off x="646113" y="1773238"/>
-                        <a:ext cx="7956550" cy="935037"/>
+                        <a:off x="334963" y="1773238"/>
+                        <a:ext cx="8580437" cy="935037"/>
                       </a:xfrm>
                       <a:prstGeom prst="rect">
                         <a:avLst/>
@@ -14674,7 +14674,7 @@
           <a:graphicData uri="http://schemas.openxmlformats.org/presentationml/2006/ole">
             <mc:AlternateContent xmlns:mc="http://schemas.openxmlformats.org/markup-compatibility/2006">
               <mc:Choice xmlns:v="urn:schemas-microsoft-com:vml" Requires="v">
-                <p:oleObj spid="_x0000_s3149" name="Equation" r:id="rId3" imgW="4406760" imgH="1866600" progId="Equation.DSMT4">
+                <p:oleObj spid="_x0000_s3150" name="Equation" r:id="rId3" imgW="4406760" imgH="1866600" progId="Equation.DSMT4">
                   <p:embed/>
                 </p:oleObj>
               </mc:Choice>
@@ -15834,7 +15834,7 @@
           <a:graphicData uri="http://schemas.openxmlformats.org/presentationml/2006/ole">
             <mc:AlternateContent xmlns:mc="http://schemas.openxmlformats.org/markup-compatibility/2006">
               <mc:Choice xmlns:v="urn:schemas-microsoft-com:vml" Requires="v">
-                <p:oleObj spid="_x0000_s29742" name="Equation" r:id="rId3" imgW="965160" imgH="431640" progId="Equation.DSMT4">
+                <p:oleObj spid="_x0000_s29743" name="Equation" r:id="rId3" imgW="965160" imgH="431640" progId="Equation.DSMT4">
                   <p:embed/>
                 </p:oleObj>
               </mc:Choice>
@@ -16809,7 +16809,7 @@
           <a:graphicData uri="http://schemas.openxmlformats.org/presentationml/2006/ole">
             <mc:AlternateContent xmlns:mc="http://schemas.openxmlformats.org/markup-compatibility/2006">
               <mc:Choice xmlns:v="urn:schemas-microsoft-com:vml" Requires="v">
-                <p:oleObj spid="_x0000_s4217" name="Equation" r:id="rId3" imgW="4305240" imgH="2158920" progId="Equation.DSMT4">
+                <p:oleObj spid="_x0000_s4219" name="Equation" r:id="rId3" imgW="4305240" imgH="2158920" progId="Equation.DSMT4">
                   <p:embed/>
                 </p:oleObj>
               </mc:Choice>
@@ -16866,7 +16866,7 @@
           <a:graphicData uri="http://schemas.openxmlformats.org/presentationml/2006/ole">
             <mc:AlternateContent xmlns:mc="http://schemas.openxmlformats.org/markup-compatibility/2006">
               <mc:Choice xmlns:v="urn:schemas-microsoft-com:vml" Requires="v">
-                <p:oleObj spid="_x0000_s4218" name="Equation" r:id="rId5" imgW="4063680" imgH="507960" progId="Equation.DSMT4">
+                <p:oleObj spid="_x0000_s4220" name="Equation" r:id="rId5" imgW="4063680" imgH="507960" progId="Equation.DSMT4">
                   <p:embed/>
                 </p:oleObj>
               </mc:Choice>
@@ -17211,7 +17211,7 @@
           <a:graphicData uri="http://schemas.openxmlformats.org/presentationml/2006/ole">
             <mc:AlternateContent xmlns:mc="http://schemas.openxmlformats.org/markup-compatibility/2006">
               <mc:Choice xmlns:v="urn:schemas-microsoft-com:vml" Requires="v">
-                <p:oleObj spid="_x0000_s5187" name="Equation" r:id="rId4" imgW="1701720" imgH="253800" progId="Equation.DSMT4">
+                <p:oleObj spid="_x0000_s5188" name="Equation" r:id="rId4" imgW="1701720" imgH="253800" progId="Equation.DSMT4">
                   <p:embed/>
                 </p:oleObj>
               </mc:Choice>
@@ -17333,7 +17333,7 @@
           <a:graphicData uri="http://schemas.openxmlformats.org/presentationml/2006/ole">
             <mc:AlternateContent xmlns:mc="http://schemas.openxmlformats.org/markup-compatibility/2006">
               <mc:Choice xmlns:v="urn:schemas-microsoft-com:vml" Requires="v">
-                <p:oleObj spid="_x0000_s7347" name="Equation" r:id="rId3" imgW="1536480" imgH="406080" progId="Equation.DSMT4">
+                <p:oleObj spid="_x0000_s7350" name="Equation" r:id="rId3" imgW="1536480" imgH="406080" progId="Equation.DSMT4">
                   <p:embed/>
                 </p:oleObj>
               </mc:Choice>
@@ -17390,7 +17390,7 @@
           <a:graphicData uri="http://schemas.openxmlformats.org/presentationml/2006/ole">
             <mc:AlternateContent xmlns:mc="http://schemas.openxmlformats.org/markup-compatibility/2006">
               <mc:Choice xmlns:v="urn:schemas-microsoft-com:vml" Requires="v">
-                <p:oleObj spid="_x0000_s7348" name="Equation" r:id="rId5" imgW="3187440" imgH="253800" progId="Equation.DSMT4">
+                <p:oleObj spid="_x0000_s7351" name="Equation" r:id="rId5" imgW="3187440" imgH="253800" progId="Equation.DSMT4">
                   <p:embed/>
                 </p:oleObj>
               </mc:Choice>
@@ -17477,7 +17477,7 @@
           <a:graphicData uri="http://schemas.openxmlformats.org/presentationml/2006/ole">
             <mc:AlternateContent xmlns:mc="http://schemas.openxmlformats.org/markup-compatibility/2006">
               <mc:Choice xmlns:v="urn:schemas-microsoft-com:vml" Requires="v">
-                <p:oleObj spid="_x0000_s7349" name="Equation" r:id="rId8" imgW="3466800" imgH="279360" progId="Equation.DSMT4">
+                <p:oleObj spid="_x0000_s7352" name="Equation" r:id="rId8" imgW="3466800" imgH="279360" progId="Equation.DSMT4">
                   <p:embed/>
                 </p:oleObj>
               </mc:Choice>
